--- a/bi_ye_lun_wen/cao gao/화하실험.pptx
+++ b/bi_ye_lun_wen/cao gao/화하실험.pptx
@@ -286,7 +286,7 @@
           <a:p>
             <a:fld id="{D997B5FA-0921-464F-AAE1-844C04324D75}" type="datetimeFigureOut">
               <a:rPr lang="zh-CN" altLang="en-US" smtClean="0"/>
-              <a:t>2018/4/10</a:t>
+              <a:t>2018/5/27</a:t>
             </a:fld>
             <a:endParaRPr lang="zh-CN" altLang="en-US"/>
           </a:p>
@@ -449,7 +449,7 @@
           <a:p>
             <a:fld id="{D997B5FA-0921-464F-AAE1-844C04324D75}" type="datetimeFigureOut">
               <a:rPr lang="zh-CN" altLang="en-US" smtClean="0"/>
-              <a:t>2018/4/10</a:t>
+              <a:t>2018/5/27</a:t>
             </a:fld>
             <a:endParaRPr lang="zh-CN" altLang="en-US"/>
           </a:p>
@@ -622,7 +622,7 @@
           <a:p>
             <a:fld id="{D997B5FA-0921-464F-AAE1-844C04324D75}" type="datetimeFigureOut">
               <a:rPr lang="zh-CN" altLang="en-US" smtClean="0"/>
-              <a:t>2018/4/10</a:t>
+              <a:t>2018/5/27</a:t>
             </a:fld>
             <a:endParaRPr lang="zh-CN" altLang="en-US"/>
           </a:p>
@@ -785,7 +785,7 @@
           <a:p>
             <a:fld id="{D997B5FA-0921-464F-AAE1-844C04324D75}" type="datetimeFigureOut">
               <a:rPr lang="zh-CN" altLang="en-US" smtClean="0"/>
-              <a:t>2018/4/10</a:t>
+              <a:t>2018/5/27</a:t>
             </a:fld>
             <a:endParaRPr lang="zh-CN" altLang="en-US"/>
           </a:p>
@@ -1025,7 +1025,7 @@
           <a:p>
             <a:fld id="{D997B5FA-0921-464F-AAE1-844C04324D75}" type="datetimeFigureOut">
               <a:rPr lang="zh-CN" altLang="en-US" smtClean="0"/>
-              <a:t>2018/4/10</a:t>
+              <a:t>2018/5/27</a:t>
             </a:fld>
             <a:endParaRPr lang="zh-CN" altLang="en-US"/>
           </a:p>
@@ -1249,7 +1249,7 @@
           <a:p>
             <a:fld id="{D997B5FA-0921-464F-AAE1-844C04324D75}" type="datetimeFigureOut">
               <a:rPr lang="zh-CN" altLang="en-US" smtClean="0"/>
-              <a:t>2018/4/10</a:t>
+              <a:t>2018/5/27</a:t>
             </a:fld>
             <a:endParaRPr lang="zh-CN" altLang="en-US"/>
           </a:p>
@@ -1608,7 +1608,7 @@
           <a:p>
             <a:fld id="{D997B5FA-0921-464F-AAE1-844C04324D75}" type="datetimeFigureOut">
               <a:rPr lang="zh-CN" altLang="en-US" smtClean="0"/>
-              <a:t>2018/4/10</a:t>
+              <a:t>2018/5/27</a:t>
             </a:fld>
             <a:endParaRPr lang="zh-CN" altLang="en-US"/>
           </a:p>
@@ -1720,7 +1720,7 @@
           <a:p>
             <a:fld id="{D997B5FA-0921-464F-AAE1-844C04324D75}" type="datetimeFigureOut">
               <a:rPr lang="zh-CN" altLang="en-US" smtClean="0"/>
-              <a:t>2018/4/10</a:t>
+              <a:t>2018/5/27</a:t>
             </a:fld>
             <a:endParaRPr lang="zh-CN" altLang="en-US"/>
           </a:p>
@@ -1810,7 +1810,7 @@
           <a:p>
             <a:fld id="{D997B5FA-0921-464F-AAE1-844C04324D75}" type="datetimeFigureOut">
               <a:rPr lang="zh-CN" altLang="en-US" smtClean="0"/>
-              <a:t>2018/4/10</a:t>
+              <a:t>2018/5/27</a:t>
             </a:fld>
             <a:endParaRPr lang="zh-CN" altLang="en-US"/>
           </a:p>
@@ -2080,7 +2080,7 @@
           <a:p>
             <a:fld id="{D997B5FA-0921-464F-AAE1-844C04324D75}" type="datetimeFigureOut">
               <a:rPr lang="zh-CN" altLang="en-US" smtClean="0"/>
-              <a:t>2018/4/10</a:t>
+              <a:t>2018/5/27</a:t>
             </a:fld>
             <a:endParaRPr lang="zh-CN" altLang="en-US"/>
           </a:p>
@@ -2327,7 +2327,7 @@
           <a:p>
             <a:fld id="{D997B5FA-0921-464F-AAE1-844C04324D75}" type="datetimeFigureOut">
               <a:rPr lang="zh-CN" altLang="en-US" smtClean="0"/>
-              <a:t>2018/4/10</a:t>
+              <a:t>2018/5/27</a:t>
             </a:fld>
             <a:endParaRPr lang="zh-CN" altLang="en-US"/>
           </a:p>
@@ -2533,7 +2533,7 @@
           <a:p>
             <a:fld id="{D997B5FA-0921-464F-AAE1-844C04324D75}" type="datetimeFigureOut">
               <a:rPr lang="zh-CN" altLang="en-US" smtClean="0"/>
-              <a:t>2018/4/10</a:t>
+              <a:t>2018/5/27</a:t>
             </a:fld>
             <a:endParaRPr lang="zh-CN" altLang="en-US"/>
           </a:p>
@@ -4067,14 +4067,14 @@
           <p:nvPr>
             <p:extLst>
               <p:ext uri="{D42A27DB-BD31-4B8C-83A1-F6EECF244321}">
-                <p14:modId xmlns:p14="http://schemas.microsoft.com/office/powerpoint/2010/main" val="164252008"/>
+                <p14:modId xmlns:p14="http://schemas.microsoft.com/office/powerpoint/2010/main" val="3648521999"/>
               </p:ext>
             </p:extLst>
           </p:nvPr>
         </p:nvGraphicFramePr>
         <p:xfrm>
-          <a:off x="597568" y="1690688"/>
-          <a:ext cx="2747211" cy="4389504"/>
+          <a:off x="685801" y="1684922"/>
+          <a:ext cx="3465094" cy="4572384"/>
         </p:xfrm>
         <a:graphic>
           <a:graphicData uri="http://schemas.openxmlformats.org/drawingml/2006/table">
@@ -4083,7 +4083,7 @@
                 <a:tableStyleId>{5940675A-B579-460E-94D1-54222C63F5DA}</a:tableStyleId>
               </a:tblPr>
               <a:tblGrid>
-                <a:gridCol w="2747211">
+                <a:gridCol w="3465094">
                   <a:extLst>
                     <a:ext uri="{9D8B030D-6E8A-4147-A177-3AD203B41FA5}">
                       <a16:colId xmlns:a16="http://schemas.microsoft.com/office/drawing/2014/main" val="2302283988"/>
@@ -4099,18 +4099,18 @@
                     <a:p>
                       <a:pPr algn="ctr"/>
                       <a:r>
-                        <a:rPr lang="en-US" dirty="0"/>
-                        <a:t>Experiment 1</a:t>
+                        <a:rPr lang="en-US" sz="2400" dirty="0"/>
+                        <a:t>E1</a:t>
                       </a:r>
                       <a:r>
-                        <a:rPr lang="zh-CN" altLang="en-US" dirty="0"/>
+                        <a:rPr lang="zh-CN" altLang="en-US" sz="2400" dirty="0"/>
                         <a:t>：</a:t>
                       </a:r>
                       <a:r>
-                        <a:rPr lang="en-US" altLang="zh-CN" dirty="0"/>
+                        <a:rPr lang="en-US" altLang="zh-CN" sz="2400" dirty="0"/>
                         <a:t>Magnesium ribbon combustion</a:t>
                       </a:r>
-                      <a:endParaRPr lang="en-US" dirty="0"/>
+                      <a:endParaRPr lang="en-US" sz="2400" dirty="0"/>
                     </a:p>
                   </a:txBody>
                   <a:tcPr anchor="ctr"/>
@@ -4129,7 +4129,7 @@
                     <a:p>
                       <a:pPr algn="ctr"/>
                       <a:r>
-                        <a:rPr lang="en-US" dirty="0"/>
+                        <a:rPr lang="en-US" sz="2400" dirty="0"/>
                         <a:t>Experiment 2</a:t>
                       </a:r>
                     </a:p>
@@ -4150,7 +4150,7 @@
                     <a:p>
                       <a:pPr algn="ctr"/>
                       <a:r>
-                        <a:rPr lang="en-US" dirty="0"/>
+                        <a:rPr lang="en-US" sz="2400" dirty="0"/>
                         <a:t>Experiment 3</a:t>
                       </a:r>
                     </a:p>
@@ -4171,7 +4171,7 @@
                     <a:p>
                       <a:pPr algn="ctr"/>
                       <a:r>
-                        <a:rPr lang="en-US" dirty="0"/>
+                        <a:rPr lang="en-US" sz="2400" dirty="0"/>
                         <a:t>Experiment 4</a:t>
                       </a:r>
                     </a:p>
@@ -4192,14 +4192,14 @@
                     <a:p>
                       <a:pPr algn="ctr"/>
                       <a:r>
-                        <a:rPr lang="en-US" dirty="0"/>
+                        <a:rPr lang="en-US" sz="2400" dirty="0"/>
                         <a:t>S</a:t>
                       </a:r>
                       <a:r>
-                        <a:rPr lang="en-US" altLang="zh-CN" dirty="0"/>
+                        <a:rPr lang="en-US" altLang="zh-CN" sz="2400" dirty="0"/>
                         <a:t>etting</a:t>
                       </a:r>
-                      <a:endParaRPr lang="en-US" dirty="0"/>
+                      <a:endParaRPr lang="en-US" sz="2400" dirty="0"/>
                     </a:p>
                   </a:txBody>
                   <a:tcPr anchor="ctr"/>
@@ -4218,7 +4218,7 @@
                     <a:p>
                       <a:pPr algn="ctr"/>
                       <a:r>
-                        <a:rPr lang="en-US" dirty="0"/>
+                        <a:rPr lang="en-US" sz="2400" dirty="0"/>
                         <a:t>Quit</a:t>
                       </a:r>
                     </a:p>
@@ -4239,7 +4239,7 @@
                     <a:p>
                       <a:pPr algn="ctr"/>
                       <a:r>
-                        <a:rPr lang="en-US" dirty="0"/>
+                        <a:rPr lang="en-US" sz="2400" dirty="0"/>
                         <a:t>Go</a:t>
                       </a:r>
                     </a:p>
@@ -4271,14 +4271,14 @@
           <p:nvPr>
             <p:extLst>
               <p:ext uri="{D42A27DB-BD31-4B8C-83A1-F6EECF244321}">
-                <p14:modId xmlns:p14="http://schemas.microsoft.com/office/powerpoint/2010/main" val="3710721983"/>
+                <p14:modId xmlns:p14="http://schemas.microsoft.com/office/powerpoint/2010/main" val="3365574200"/>
               </p:ext>
             </p:extLst>
           </p:nvPr>
         </p:nvGraphicFramePr>
         <p:xfrm>
-          <a:off x="3344777" y="1690688"/>
-          <a:ext cx="7531769" cy="4389504"/>
+          <a:off x="4150895" y="1684922"/>
+          <a:ext cx="7110661" cy="4572383"/>
         </p:xfrm>
         <a:graphic>
           <a:graphicData uri="http://schemas.openxmlformats.org/drawingml/2006/table">
@@ -4287,14 +4287,14 @@
                 <a:tableStyleId>{5940675A-B579-460E-94D1-54222C63F5DA}</a:tableStyleId>
               </a:tblPr>
               <a:tblGrid>
-                <a:gridCol w="4848728">
+                <a:gridCol w="4523873">
                   <a:extLst>
                     <a:ext uri="{9D8B030D-6E8A-4147-A177-3AD203B41FA5}">
                       <a16:colId xmlns:a16="http://schemas.microsoft.com/office/drawing/2014/main" val="294665343"/>
                     </a:ext>
                   </a:extLst>
                 </a:gridCol>
-                <a:gridCol w="2683041">
+                <a:gridCol w="2586788">
                   <a:extLst>
                     <a:ext uri="{9D8B030D-6E8A-4147-A177-3AD203B41FA5}">
                       <a16:colId xmlns:a16="http://schemas.microsoft.com/office/drawing/2014/main" val="2353173488"/>
@@ -4302,7 +4302,7 @@
                   </a:extLst>
                 </a:gridCol>
               </a:tblGrid>
-              <a:tr h="4389504">
+              <a:tr h="4572383">
                 <a:tc>
                   <a:txBody>
                     <a:bodyPr/>
@@ -4310,7 +4310,7 @@
                     <a:p>
                       <a:pPr algn="ctr"/>
                       <a:r>
-                        <a:rPr lang="en-US" dirty="0"/>
+                        <a:rPr lang="en-US" sz="2400" dirty="0"/>
                         <a:t>Periodic table</a:t>
                       </a:r>
                     </a:p>
@@ -4324,9 +4324,14 @@
                     <a:p>
                       <a:pPr algn="ctr"/>
                       <a:r>
-                        <a:rPr lang="en-US" dirty="0"/>
-                        <a:t>Experiment information</a:t>
+                        <a:rPr lang="en-US" sz="2400" dirty="0"/>
+                        <a:t>Experiment </a:t>
                       </a:r>
+                      <a:r>
+                        <a:rPr lang="en-US" sz="2400" dirty="0" err="1"/>
+                        <a:t>Informations</a:t>
+                      </a:r>
+                      <a:endParaRPr lang="en-US" sz="2400" dirty="0"/>
                     </a:p>
                   </a:txBody>
                   <a:tcPr anchor="ctr"/>
@@ -4415,14 +4420,14 @@
           <p:nvPr>
             <p:extLst>
               <p:ext uri="{D42A27DB-BD31-4B8C-83A1-F6EECF244321}">
-                <p14:modId xmlns:p14="http://schemas.microsoft.com/office/powerpoint/2010/main" val="748729327"/>
+                <p14:modId xmlns:p14="http://schemas.microsoft.com/office/powerpoint/2010/main" val="4095424405"/>
               </p:ext>
             </p:extLst>
           </p:nvPr>
         </p:nvGraphicFramePr>
         <p:xfrm>
           <a:off x="597568" y="1690688"/>
-          <a:ext cx="2747211" cy="4374328"/>
+          <a:ext cx="2747209" cy="4968496"/>
         </p:xfrm>
         <a:graphic>
           <a:graphicData uri="http://schemas.openxmlformats.org/drawingml/2006/table">
@@ -4431,7 +4436,7 @@
                 <a:tableStyleId>{5940675A-B579-460E-94D1-54222C63F5DA}</a:tableStyleId>
               </a:tblPr>
               <a:tblGrid>
-                <a:gridCol w="2747211">
+                <a:gridCol w="2747209">
                   <a:extLst>
                     <a:ext uri="{9D8B030D-6E8A-4147-A177-3AD203B41FA5}">
                       <a16:colId xmlns:a16="http://schemas.microsoft.com/office/drawing/2014/main" val="2302283988"/>
@@ -4447,7 +4452,7 @@
                     <a:p>
                       <a:pPr algn="ctr"/>
                       <a:r>
-                        <a:rPr lang="en-US" dirty="0"/>
+                        <a:rPr lang="en-US" sz="2400" dirty="0"/>
                         <a:t>Experiment information</a:t>
                       </a:r>
                     </a:p>
@@ -4468,7 +4473,7 @@
                     <a:p>
                       <a:pPr algn="ctr"/>
                       <a:r>
-                        <a:rPr lang="en-US" dirty="0"/>
+                        <a:rPr lang="en-US" sz="2400" dirty="0"/>
                         <a:t>Experimental procedure</a:t>
                       </a:r>
                     </a:p>
@@ -4489,7 +4494,7 @@
                     <a:p>
                       <a:pPr algn="ctr"/>
                       <a:r>
-                        <a:rPr lang="en-US" dirty="0"/>
+                        <a:rPr lang="en-US" sz="2400" dirty="0"/>
                         <a:t>Experimental phenomena</a:t>
                       </a:r>
                     </a:p>
@@ -4510,7 +4515,7 @@
                     <a:p>
                       <a:pPr algn="ctr"/>
                       <a:r>
-                        <a:rPr lang="en-US" dirty="0"/>
+                        <a:rPr lang="en-US" sz="2400" dirty="0"/>
                         <a:t>video</a:t>
                       </a:r>
                     </a:p>
@@ -4547,7 +4552,7 @@
                         <a:defRPr/>
                       </a:pPr>
                       <a:r>
-                        <a:rPr lang="en-US"/>
+                        <a:rPr lang="en-US" sz="2400" dirty="0"/>
                         <a:t>Periodic table</a:t>
                       </a:r>
                     </a:p>
@@ -4567,7 +4572,7 @@
                     <a:lstStyle/>
                     <a:p>
                       <a:pPr algn="ctr"/>
-                      <a:endParaRPr lang="en-US" dirty="0"/>
+                      <a:endParaRPr lang="en-US" sz="2400" dirty="0"/>
                     </a:p>
                   </a:txBody>
                   <a:tcPr anchor="ctr"/>
@@ -4586,7 +4591,7 @@
                     <a:p>
                       <a:pPr algn="ctr"/>
                       <a:r>
-                        <a:rPr lang="en-US" dirty="0"/>
+                        <a:rPr lang="en-US" sz="2400" dirty="0"/>
                         <a:t>Back to Main</a:t>
                       </a:r>
                     </a:p>
@@ -4618,14 +4623,14 @@
           <p:nvPr>
             <p:extLst>
               <p:ext uri="{D42A27DB-BD31-4B8C-83A1-F6EECF244321}">
-                <p14:modId xmlns:p14="http://schemas.microsoft.com/office/powerpoint/2010/main" val="2817468761"/>
+                <p14:modId xmlns:p14="http://schemas.microsoft.com/office/powerpoint/2010/main" val="1662991165"/>
               </p:ext>
             </p:extLst>
           </p:nvPr>
         </p:nvGraphicFramePr>
         <p:xfrm>
-          <a:off x="3344777" y="1690688"/>
-          <a:ext cx="7531769" cy="4389504"/>
+          <a:off x="3344777" y="1690687"/>
+          <a:ext cx="7531769" cy="4968495"/>
         </p:xfrm>
         <a:graphic>
           <a:graphicData uri="http://schemas.openxmlformats.org/drawingml/2006/table">
@@ -4649,7 +4654,7 @@
                   </a:extLst>
                 </a:gridCol>
               </a:tblGrid>
-              <a:tr h="4389504">
+              <a:tr h="4968495">
                 <a:tc>
                   <a:txBody>
                     <a:bodyPr/>
@@ -4657,7 +4662,7 @@
                     <a:p>
                       <a:pPr algn="ctr"/>
                       <a:r>
-                        <a:rPr lang="en-US" dirty="0"/>
+                        <a:rPr lang="en-US" sz="2400" dirty="0"/>
                         <a:t>Display information</a:t>
                       </a:r>
                     </a:p>
@@ -4671,7 +4676,7 @@
                     <a:p>
                       <a:pPr algn="ctr"/>
                       <a:r>
-                        <a:rPr lang="en-US" dirty="0"/>
+                        <a:rPr lang="en-US" sz="2400" dirty="0"/>
                         <a:t>Experiment information</a:t>
                       </a:r>
                     </a:p>
